--- a/wk7/WK7.pptx
+++ b/wk7/WK7.pptx
@@ -274,7 +274,7 @@
           <a:p>
             <a:fld id="{DE7E80D3-3378-E941-B270-82426DA30AA5}" type="datetimeFigureOut">
               <a:rPr lang="en-US" smtClean="0"/>
-              <a:t>7/11/2020</a:t>
+              <a:t>7/12/2020</a:t>
             </a:fld>
             <a:endParaRPr lang="en-US"/>
           </a:p>
@@ -472,7 +472,7 @@
           <a:p>
             <a:fld id="{DE7E80D3-3378-E941-B270-82426DA30AA5}" type="datetimeFigureOut">
               <a:rPr lang="en-US" smtClean="0"/>
-              <a:t>7/11/2020</a:t>
+              <a:t>7/12/2020</a:t>
             </a:fld>
             <a:endParaRPr lang="en-US"/>
           </a:p>
@@ -680,7 +680,7 @@
           <a:p>
             <a:fld id="{DE7E80D3-3378-E941-B270-82426DA30AA5}" type="datetimeFigureOut">
               <a:rPr lang="en-US" smtClean="0"/>
-              <a:t>7/11/2020</a:t>
+              <a:t>7/12/2020</a:t>
             </a:fld>
             <a:endParaRPr lang="en-US"/>
           </a:p>
@@ -878,7 +878,7 @@
           <a:p>
             <a:fld id="{DE7E80D3-3378-E941-B270-82426DA30AA5}" type="datetimeFigureOut">
               <a:rPr lang="en-US" smtClean="0"/>
-              <a:t>7/11/2020</a:t>
+              <a:t>7/12/2020</a:t>
             </a:fld>
             <a:endParaRPr lang="en-US"/>
           </a:p>
@@ -1153,7 +1153,7 @@
           <a:p>
             <a:fld id="{DE7E80D3-3378-E941-B270-82426DA30AA5}" type="datetimeFigureOut">
               <a:rPr lang="en-US" smtClean="0"/>
-              <a:t>7/11/2020</a:t>
+              <a:t>7/12/2020</a:t>
             </a:fld>
             <a:endParaRPr lang="en-US"/>
           </a:p>
@@ -1418,7 +1418,7 @@
           <a:p>
             <a:fld id="{DE7E80D3-3378-E941-B270-82426DA30AA5}" type="datetimeFigureOut">
               <a:rPr lang="en-US" smtClean="0"/>
-              <a:t>7/11/2020</a:t>
+              <a:t>7/12/2020</a:t>
             </a:fld>
             <a:endParaRPr lang="en-US"/>
           </a:p>
@@ -1830,7 +1830,7 @@
           <a:p>
             <a:fld id="{DE7E80D3-3378-E941-B270-82426DA30AA5}" type="datetimeFigureOut">
               <a:rPr lang="en-US" smtClean="0"/>
-              <a:t>7/11/2020</a:t>
+              <a:t>7/12/2020</a:t>
             </a:fld>
             <a:endParaRPr lang="en-US"/>
           </a:p>
@@ -1971,7 +1971,7 @@
           <a:p>
             <a:fld id="{DE7E80D3-3378-E941-B270-82426DA30AA5}" type="datetimeFigureOut">
               <a:rPr lang="en-US" smtClean="0"/>
-              <a:t>7/11/2020</a:t>
+              <a:t>7/12/2020</a:t>
             </a:fld>
             <a:endParaRPr lang="en-US"/>
           </a:p>
@@ -2084,7 +2084,7 @@
           <a:p>
             <a:fld id="{DE7E80D3-3378-E941-B270-82426DA30AA5}" type="datetimeFigureOut">
               <a:rPr lang="en-US" smtClean="0"/>
-              <a:t>7/11/2020</a:t>
+              <a:t>7/12/2020</a:t>
             </a:fld>
             <a:endParaRPr lang="en-US"/>
           </a:p>
@@ -2395,7 +2395,7 @@
           <a:p>
             <a:fld id="{DE7E80D3-3378-E941-B270-82426DA30AA5}" type="datetimeFigureOut">
               <a:rPr lang="en-US" smtClean="0"/>
-              <a:t>7/11/2020</a:t>
+              <a:t>7/12/2020</a:t>
             </a:fld>
             <a:endParaRPr lang="en-US"/>
           </a:p>
@@ -2683,7 +2683,7 @@
           <a:p>
             <a:fld id="{DE7E80D3-3378-E941-B270-82426DA30AA5}" type="datetimeFigureOut">
               <a:rPr lang="en-US" smtClean="0"/>
-              <a:t>7/11/2020</a:t>
+              <a:t>7/12/2020</a:t>
             </a:fld>
             <a:endParaRPr lang="en-US"/>
           </a:p>
@@ -2924,7 +2924,7 @@
           <a:p>
             <a:fld id="{DE7E80D3-3378-E941-B270-82426DA30AA5}" type="datetimeFigureOut">
               <a:rPr lang="en-US" smtClean="0"/>
-              <a:t>7/11/2020</a:t>
+              <a:t>7/12/2020</a:t>
             </a:fld>
             <a:endParaRPr lang="en-US"/>
           </a:p>
@@ -3883,10 +3883,10 @@
       </p:sp>
       <p:sp>
         <p:nvSpPr>
-          <p:cNvPr id="10" name="TextBox 9">
-            <a:extLst>
-              <a:ext uri="{FF2B5EF4-FFF2-40B4-BE49-F238E27FC236}">
-                <a16:creationId xmlns:a16="http://schemas.microsoft.com/office/drawing/2014/main" id="{A8883954-51E4-5F42-808E-A786754485B5}"/>
+          <p:cNvPr id="2" name="TextBox 1">
+            <a:extLst>
+              <a:ext uri="{FF2B5EF4-FFF2-40B4-BE49-F238E27FC236}">
+                <a16:creationId xmlns:a16="http://schemas.microsoft.com/office/drawing/2014/main" id="{354D098D-5B89-4F46-9AE4-F55B365F90E0}"/>
               </a:ext>
             </a:extLst>
           </p:cNvPr>
@@ -3895,8 +3895,8 @@
         </p:nvSpPr>
         <p:spPr>
           <a:xfrm>
-            <a:off x="598098" y="1000137"/>
-            <a:ext cx="301686" cy="369332"/>
+            <a:off x="1524000" y="1146629"/>
+            <a:ext cx="4626588" cy="923330"/>
           </a:xfrm>
           <a:prstGeom prst="rect">
             <a:avLst/>
@@ -3910,41 +3910,9 @@
           <a:lstStyle/>
           <a:p>
             <a:r>
-              <a:rPr lang="en-US"/>
-              <a:t>1</a:t>
-            </a:r>
-            <a:endParaRPr lang="en-US" dirty="0"/>
-          </a:p>
-        </p:txBody>
-      </p:sp>
-      <p:sp>
-        <p:nvSpPr>
-          <p:cNvPr id="2" name="TextBox 1">
-            <a:extLst>
-              <a:ext uri="{FF2B5EF4-FFF2-40B4-BE49-F238E27FC236}">
-                <a16:creationId xmlns:a16="http://schemas.microsoft.com/office/drawing/2014/main" id="{354D098D-5B89-4F46-9AE4-F55B365F90E0}"/>
-              </a:ext>
-            </a:extLst>
-          </p:cNvPr>
-          <p:cNvSpPr txBox="1"/>
-          <p:nvPr/>
-        </p:nvSpPr>
-        <p:spPr>
-          <a:xfrm>
-            <a:off x="1524000" y="1146629"/>
-            <a:ext cx="4346062" cy="369332"/>
-          </a:xfrm>
-          <a:prstGeom prst="rect">
-            <a:avLst/>
-          </a:prstGeom>
-          <a:noFill/>
-        </p:spPr>
-        <p:txBody>
-          <a:bodyPr wrap="none" rtlCol="0">
-            <a:spAutoFit/>
-          </a:bodyPr>
-          <a:lstStyle/>
-          <a:p>
+              <a:rPr lang="en-US" altLang="zh-CN" dirty="0"/>
+              <a:t>1 . </a:t>
+            </a:r>
             <a:r>
               <a:rPr lang="zh-CN" altLang="en-US" dirty="0"/>
               <a:t>用自己的数据完成</a:t>
@@ -3956,6 +3924,20 @@
             <a:r>
               <a:rPr lang="zh-CN" altLang="en-US" dirty="0"/>
               <a:t>中第二部分</a:t>
+            </a:r>
+            <a:endParaRPr lang="en-US" altLang="zh-CN" dirty="0"/>
+          </a:p>
+          <a:p>
+            <a:endParaRPr lang="en-US" dirty="0"/>
+          </a:p>
+          <a:p>
+            <a:r>
+              <a:rPr lang="en-US" altLang="zh-CN" dirty="0"/>
+              <a:t>2. </a:t>
+            </a:r>
+            <a:r>
+              <a:rPr lang="zh-CN" altLang="en-US" dirty="0"/>
+              <a:t>用课上的模板为基础，自己优化模型</a:t>
             </a:r>
             <a:endParaRPr lang="en-US" dirty="0"/>
           </a:p>
